--- a/Notebooks/figures/chap08/3/figure.pptx
+++ b/Notebooks/figures/chap08/3/figure.pptx
@@ -191,9 +191,9 @@
             </a:lvl1pPr>
           </a:lstStyle>
           <a:p>
-            <a:fld id="{F3E7A417-5B20-154C-A9D0-9F7B10355186}" type="datetimeFigureOut">
-              <a:rPr lang="en-US" smtClean="0"/>
-              <a:t>11/13/19</a:t>
+            <a:fld id="{F5BE41C3-D8DF-B048-AE87-98D6FC419EBD}" type="datetimeFigureOut">
+              <a:rPr lang="en-US" smtClean="0"/>
+              <a:t>11/14/19</a:t>
             </a:fld>
             <a:endParaRPr lang="en-US"/>
           </a:p>
@@ -350,7 +350,7 @@
             </a:lvl1pPr>
           </a:lstStyle>
           <a:p>
-            <a:fld id="{5090A7BA-255C-124E-BAE3-CCCEFA7E21BF}" type="slidenum">
+            <a:fld id="{2B6005FB-3BA6-1A45-AB9D-557183937263}" type="slidenum">
               <a:rPr lang="en-US" smtClean="0"/>
               <a:t>‹#›</a:t>
             </a:fld>
@@ -361,7 +361,7 @@
     </p:spTree>
     <p:extLst>
       <p:ext uri="{BB962C8B-B14F-4D97-AF65-F5344CB8AC3E}">
-        <p14:creationId xmlns:p14="http://schemas.microsoft.com/office/powerpoint/2010/main" val="1827334145"/>
+        <p14:creationId xmlns:p14="http://schemas.microsoft.com/office/powerpoint/2010/main" val="596935711"/>
       </p:ext>
     </p:extLst>
   </p:cSld>
@@ -495,7 +495,7 @@
           <a:bodyPr/>
           <a:lstStyle/>
           <a:p>
-            <a:fld id="{ECE878D4-57B7-1B46-961D-1EF6A4961640}" type="slidenum">
+            <a:fld id="{BD374AF4-78E6-3F4B-9BE2-8A992730E2D4}" type="slidenum">
               <a:rPr lang="en-US"/>
               <a:pPr/>
               <a:t>1</a:t>
@@ -506,7 +506,7 @@
       </p:sp>
       <p:sp>
         <p:nvSpPr>
-          <p:cNvPr id="84994" name="Rectangle 2"/>
+          <p:cNvPr id="125954" name="Rectangle 2"/>
           <p:cNvSpPr>
             <a:spLocks noGrp="1" noRot="1" noChangeAspect="1" noChangeArrowheads="1"/>
           </p:cNvSpPr>
@@ -542,7 +542,7 @@
       </p:sp>
       <p:sp>
         <p:nvSpPr>
-          <p:cNvPr id="84995" name="Rectangle 3"/>
+          <p:cNvPr id="125955" name="Rectangle 3"/>
           <p:cNvSpPr>
             <a:spLocks noGrp="1" noChangeArrowheads="1"/>
           </p:cNvSpPr>
@@ -586,7 +586,7 @@
     </p:spTree>
     <p:extLst>
       <p:ext uri="{BB962C8B-B14F-4D97-AF65-F5344CB8AC3E}">
-        <p14:creationId xmlns:p14="http://schemas.microsoft.com/office/powerpoint/2010/main" val="841339268"/>
+        <p14:creationId xmlns:p14="http://schemas.microsoft.com/office/powerpoint/2010/main" val="1802379640"/>
       </p:ext>
     </p:extLst>
   </p:cSld>
@@ -777,7 +777,7 @@
           <a:p>
             <a:fld id="{46B215DF-9304-D749-9E36-45FCEA760741}" type="datetimeFigureOut">
               <a:rPr lang="en-US" smtClean="0"/>
-              <a:t>11/13/19</a:t>
+              <a:t>11/14/19</a:t>
             </a:fld>
             <a:endParaRPr lang="en-US"/>
           </a:p>
@@ -947,7 +947,7 @@
           <a:p>
             <a:fld id="{46B215DF-9304-D749-9E36-45FCEA760741}" type="datetimeFigureOut">
               <a:rPr lang="en-US" smtClean="0"/>
-              <a:t>11/13/19</a:t>
+              <a:t>11/14/19</a:t>
             </a:fld>
             <a:endParaRPr lang="en-US"/>
           </a:p>
@@ -1127,7 +1127,7 @@
           <a:p>
             <a:fld id="{46B215DF-9304-D749-9E36-45FCEA760741}" type="datetimeFigureOut">
               <a:rPr lang="en-US" smtClean="0"/>
-              <a:t>11/13/19</a:t>
+              <a:t>11/14/19</a:t>
             </a:fld>
             <a:endParaRPr lang="en-US"/>
           </a:p>
@@ -5555,7 +5555,7 @@
           <a:p>
             <a:fld id="{46B215DF-9304-D749-9E36-45FCEA760741}" type="datetimeFigureOut">
               <a:rPr lang="en-US" smtClean="0"/>
-              <a:t>11/13/19</a:t>
+              <a:t>11/14/19</a:t>
             </a:fld>
             <a:endParaRPr lang="en-US"/>
           </a:p>
@@ -6479,7 +6479,7 @@
           <a:p>
             <a:fld id="{46B215DF-9304-D749-9E36-45FCEA760741}" type="datetimeFigureOut">
               <a:rPr lang="en-US" smtClean="0"/>
-              <a:t>11/13/19</a:t>
+              <a:t>11/14/19</a:t>
             </a:fld>
             <a:endParaRPr lang="en-US"/>
           </a:p>
@@ -6767,7 +6767,7 @@
           <a:p>
             <a:fld id="{46B215DF-9304-D749-9E36-45FCEA760741}" type="datetimeFigureOut">
               <a:rPr lang="en-US" smtClean="0"/>
-              <a:t>11/13/19</a:t>
+              <a:t>11/14/19</a:t>
             </a:fld>
             <a:endParaRPr lang="en-US"/>
           </a:p>
@@ -7189,7 +7189,7 @@
           <a:p>
             <a:fld id="{46B215DF-9304-D749-9E36-45FCEA760741}" type="datetimeFigureOut">
               <a:rPr lang="en-US" smtClean="0"/>
-              <a:t>11/13/19</a:t>
+              <a:t>11/14/19</a:t>
             </a:fld>
             <a:endParaRPr lang="en-US"/>
           </a:p>
@@ -7307,7 +7307,7 @@
           <a:p>
             <a:fld id="{46B215DF-9304-D749-9E36-45FCEA760741}" type="datetimeFigureOut">
               <a:rPr lang="en-US" smtClean="0"/>
-              <a:t>11/13/19</a:t>
+              <a:t>11/14/19</a:t>
             </a:fld>
             <a:endParaRPr lang="en-US"/>
           </a:p>
@@ -7402,7 +7402,7 @@
           <a:p>
             <a:fld id="{46B215DF-9304-D749-9E36-45FCEA760741}" type="datetimeFigureOut">
               <a:rPr lang="en-US" smtClean="0"/>
-              <a:t>11/13/19</a:t>
+              <a:t>11/14/19</a:t>
             </a:fld>
             <a:endParaRPr lang="en-US"/>
           </a:p>
@@ -7679,7 +7679,7 @@
           <a:p>
             <a:fld id="{46B215DF-9304-D749-9E36-45FCEA760741}" type="datetimeFigureOut">
               <a:rPr lang="en-US" smtClean="0"/>
-              <a:t>11/13/19</a:t>
+              <a:t>11/14/19</a:t>
             </a:fld>
             <a:endParaRPr lang="en-US"/>
           </a:p>
@@ -7936,7 +7936,7 @@
           <a:p>
             <a:fld id="{46B215DF-9304-D749-9E36-45FCEA760741}" type="datetimeFigureOut">
               <a:rPr lang="en-US" smtClean="0"/>
-              <a:t>11/13/19</a:t>
+              <a:t>11/14/19</a:t>
             </a:fld>
             <a:endParaRPr lang="en-US"/>
           </a:p>
@@ -8149,7 +8149,7 @@
           <a:p>
             <a:fld id="{46B215DF-9304-D749-9E36-45FCEA760741}" type="datetimeFigureOut">
               <a:rPr lang="en-US" smtClean="0"/>
-              <a:t>11/13/19</a:t>
+              <a:t>11/14/19</a:t>
             </a:fld>
             <a:endParaRPr lang="en-US"/>
           </a:p>
@@ -11721,7 +11721,7 @@
       </p:grpSpPr>
       <p:sp>
         <p:nvSpPr>
-          <p:cNvPr id="83970" name="Rectangle 2"/>
+          <p:cNvPr id="124930" name="Rectangle 2"/>
           <p:cNvSpPr>
             <a:spLocks noChangeArrowheads="1"/>
           </p:cNvSpPr>
@@ -11729,8 +11729,8 @@
         </p:nvSpPr>
         <p:spPr bwMode="auto">
           <a:xfrm>
-            <a:off x="619538" y="1457186"/>
-            <a:ext cx="4724400" cy="4267200"/>
+            <a:off x="2329070" y="1324665"/>
+            <a:ext cx="4724400" cy="4406900"/>
           </a:xfrm>
           <a:prstGeom prst="rect">
             <a:avLst/>
@@ -11764,16 +11764,16 @@
       </p:sp>
       <p:sp>
         <p:nvSpPr>
-          <p:cNvPr id="83972" name="Text Box 4"/>
-          <p:cNvSpPr txBox="1">
+          <p:cNvPr id="124933" name="Rectangle 5"/>
+          <p:cNvSpPr>
             <a:spLocks noChangeArrowheads="1"/>
           </p:cNvSpPr>
           <p:nvPr/>
         </p:nvSpPr>
         <p:spPr bwMode="auto">
           <a:xfrm>
-            <a:off x="6296438" y="1596886"/>
-            <a:ext cx="2234201" cy="738664"/>
+            <a:off x="2649745" y="1705665"/>
+            <a:ext cx="1828800" cy="673100"/>
           </a:xfrm>
           <a:prstGeom prst="rect">
             <a:avLst/>
@@ -11798,46 +11798,16 @@
           </a:extLst>
         </p:spPr>
         <p:txBody>
-          <a:bodyPr wrap="none">
-            <a:spAutoFit/>
-          </a:bodyPr>
+          <a:bodyPr wrap="none" anchor="ctr"/>
           <a:lstStyle/>
           <a:p>
-            <a:r>
-              <a:rPr lang="en-US" sz="1400" dirty="0"/>
-              <a:t>declare add(</a:t>
-            </a:r>
-            <a:r>
-              <a:rPr lang="en-US" sz="1400" dirty="0" err="1"/>
-              <a:t>a,b</a:t>
-            </a:r>
-            <a:r>
-              <a:rPr lang="en-US" sz="1400" dirty="0"/>
-              <a:t>) return </a:t>
-            </a:r>
-            <a:r>
-              <a:rPr lang="en-US" sz="1400" dirty="0" err="1"/>
-              <a:t>a+b</a:t>
-            </a:r>
-            <a:r>
-              <a:rPr lang="en-US" sz="1400" dirty="0"/>
-              <a:t>;</a:t>
-            </a:r>
-          </a:p>
-          <a:p>
-            <a:endParaRPr lang="en-US" sz="1400" dirty="0"/>
-          </a:p>
-          <a:p>
-            <a:r>
-              <a:rPr lang="en-US" sz="1400" dirty="0"/>
-              <a:t>put add(3,2);</a:t>
-            </a:r>
-          </a:p>
-        </p:txBody>
-      </p:sp>
-      <p:sp>
-        <p:nvSpPr>
-          <p:cNvPr id="83973" name="Rectangle 5"/>
+            <a:endParaRPr lang="en-US" sz="1400"/>
+          </a:p>
+        </p:txBody>
+      </p:sp>
+      <p:sp>
+        <p:nvSpPr>
+          <p:cNvPr id="124934" name="Rectangle 6"/>
           <p:cNvSpPr>
             <a:spLocks noChangeArrowheads="1"/>
           </p:cNvSpPr>
@@ -11845,8 +11815,8 @@
         </p:nvSpPr>
         <p:spPr bwMode="auto">
           <a:xfrm>
-            <a:off x="940213" y="1838186"/>
-            <a:ext cx="1828800" cy="1371600"/>
+            <a:off x="2649745" y="2772465"/>
+            <a:ext cx="1828800" cy="673100"/>
           </a:xfrm>
           <a:prstGeom prst="rect">
             <a:avLst/>
@@ -11878,63 +11848,20 @@
           </a:p>
         </p:txBody>
       </p:sp>
-      <p:sp>
-        <p:nvSpPr>
-          <p:cNvPr id="83974" name="Rectangle 6"/>
-          <p:cNvSpPr>
-            <a:spLocks noChangeArrowheads="1"/>
-          </p:cNvSpPr>
-          <p:nvPr/>
-        </p:nvSpPr>
-        <p:spPr bwMode="auto">
-          <a:xfrm>
-            <a:off x="940213" y="3895586"/>
-            <a:ext cx="1828800" cy="1371600"/>
-          </a:xfrm>
-          <a:prstGeom prst="rect">
-            <a:avLst/>
-          </a:prstGeom>
-          <a:noFill/>
-          <a:ln w="9525">
-            <a:solidFill>
-              <a:schemeClr val="tx1"/>
-            </a:solidFill>
-            <a:miter lim="800000"/>
-            <a:headEnd/>
-            <a:tailEnd/>
-          </a:ln>
-          <a:extLst>
-            <a:ext uri="{909E8E84-426E-40dd-AFC4-6F175D3DCCD1}">
-              <a14:hiddenFill xmlns="" xmlns:a14="http://schemas.microsoft.com/office/drawing/2010/main">
-                <a:solidFill>
-                  <a:schemeClr val="accent1"/>
-                </a:solidFill>
-              </a14:hiddenFill>
-            </a:ext>
-          </a:extLst>
-        </p:spPr>
-        <p:txBody>
-          <a:bodyPr wrap="none" anchor="ctr"/>
-          <a:lstStyle/>
-          <a:p>
-            <a:endParaRPr lang="en-US" sz="1400"/>
-          </a:p>
-        </p:txBody>
-      </p:sp>
       <p:cxnSp>
         <p:nvCxnSpPr>
-          <p:cNvPr id="83975" name="AutoShape 7"/>
+          <p:cNvPr id="124935" name="AutoShape 7"/>
           <p:cNvCxnSpPr>
             <a:cxnSpLocks noChangeShapeType="1"/>
-            <a:stCxn id="83974" idx="0"/>
-            <a:endCxn id="83973" idx="2"/>
+            <a:stCxn id="124934" idx="0"/>
+            <a:endCxn id="124933" idx="2"/>
           </p:cNvCxnSpPr>
           <p:nvPr/>
         </p:nvCxnSpPr>
         <p:spPr bwMode="auto">
           <a:xfrm flipV="1">
-            <a:off x="1854613" y="3209786"/>
-            <a:ext cx="0" cy="685800"/>
+            <a:off x="3564145" y="2378765"/>
+            <a:ext cx="0" cy="393700"/>
           </a:xfrm>
           <a:prstGeom prst="straightConnector1">
             <a:avLst/>
@@ -11959,7 +11886,7 @@
       </p:cxnSp>
       <p:sp>
         <p:nvSpPr>
-          <p:cNvPr id="83976" name="Text Box 8"/>
+          <p:cNvPr id="124936" name="Text Box 8"/>
           <p:cNvSpPr txBox="1">
             <a:spLocks noChangeArrowheads="1"/>
           </p:cNvSpPr>
@@ -11967,7 +11894,7 @@
         </p:nvSpPr>
         <p:spPr bwMode="auto">
           <a:xfrm>
-            <a:off x="1000538" y="1520686"/>
+            <a:off x="2670314" y="1414669"/>
             <a:ext cx="1132233" cy="307777"/>
           </a:xfrm>
           <a:prstGeom prst="rect">
@@ -12012,7 +11939,7 @@
       </p:sp>
       <p:sp>
         <p:nvSpPr>
-          <p:cNvPr id="83977" name="Text Box 9"/>
+          <p:cNvPr id="124937" name="Text Box 9"/>
           <p:cNvSpPr txBox="1">
             <a:spLocks noChangeArrowheads="1"/>
           </p:cNvSpPr>
@@ -12020,8 +11947,8 @@
         </p:nvSpPr>
         <p:spPr bwMode="auto">
           <a:xfrm>
-            <a:off x="924338" y="3654286"/>
-            <a:ext cx="1337417" cy="307777"/>
+            <a:off x="2647122" y="2478157"/>
+            <a:ext cx="1071512" cy="307777"/>
           </a:xfrm>
           <a:prstGeom prst="rect">
             <a:avLst/>
@@ -12041,7 +11968,7 @@
             <a:ext uri="{91240B29-F687-4f45-9708-019B960494DF}">
               <a14:hiddenLine xmlns="" xmlns:a14="http://schemas.microsoft.com/office/drawing/2010/main" w="9525">
                 <a:solidFill>
-                  <a:schemeClr val="tx1"/>
+                  <a:schemeClr val="bg2"/>
                 </a:solidFill>
                 <a:miter lim="800000"/>
                 <a:headEnd/>
@@ -12057,15 +11984,15 @@
           <a:lstStyle/>
           <a:p>
             <a:r>
-              <a:rPr lang="en-US" sz="1400" dirty="0"/>
-              <a:t>Function Scope </a:t>
-            </a:r>
-          </a:p>
-        </p:txBody>
-      </p:sp>
-      <p:sp>
-        <p:nvSpPr>
-          <p:cNvPr id="83978" name="Text Box 10"/>
+              <a:rPr lang="en-US" sz="1400"/>
+              <a:t>Local Scope </a:t>
+            </a:r>
+          </a:p>
+        </p:txBody>
+      </p:sp>
+      <p:sp>
+        <p:nvSpPr>
+          <p:cNvPr id="124938" name="Text Box 10"/>
           <p:cNvSpPr txBox="1">
             <a:spLocks noChangeArrowheads="1"/>
           </p:cNvSpPr>
@@ -12073,7 +12000,7 @@
         </p:nvSpPr>
         <p:spPr bwMode="auto">
           <a:xfrm>
-            <a:off x="3482010" y="1901686"/>
+            <a:off x="5072270" y="1769165"/>
             <a:ext cx="1786579" cy="307777"/>
           </a:xfrm>
           <a:prstGeom prst="rect">
@@ -12113,7 +12040,7 @@
       </p:sp>
       <p:sp>
         <p:nvSpPr>
-          <p:cNvPr id="83979" name="Text Box 11"/>
+          <p:cNvPr id="124939" name="Text Box 11"/>
           <p:cNvSpPr txBox="1">
             <a:spLocks noChangeArrowheads="1"/>
           </p:cNvSpPr>
@@ -12121,7 +12048,7 @@
         </p:nvSpPr>
         <p:spPr bwMode="auto">
           <a:xfrm>
-            <a:off x="679863" y="1215886"/>
+            <a:off x="2349639" y="1017105"/>
             <a:ext cx="1146339" cy="307777"/>
           </a:xfrm>
           <a:prstGeom prst="rect">
@@ -12164,30 +12091,124 @@
           </a:p>
         </p:txBody>
       </p:sp>
-      <p:cxnSp>
-        <p:nvCxnSpPr>
-          <p:cNvPr id="83980" name="AutoShape 12"/>
-          <p:cNvCxnSpPr>
-            <a:cxnSpLocks noChangeShapeType="1"/>
-            <a:stCxn id="83978" idx="1"/>
-            <a:endCxn id="83974" idx="3"/>
-          </p:cNvCxnSpPr>
+      <p:sp>
+        <p:nvSpPr>
+          <p:cNvPr id="124940" name="Rectangle 12"/>
+          <p:cNvSpPr>
+            <a:spLocks noChangeArrowheads="1"/>
+          </p:cNvSpPr>
           <p:nvPr/>
-        </p:nvCxnSpPr>
+        </p:nvSpPr>
         <p:spPr bwMode="auto">
-          <a:xfrm rot="10800000" flipV="1">
-            <a:off x="2769014" y="2055574"/>
-            <a:ext cx="712997" cy="2525811"/>
+          <a:xfrm>
+            <a:off x="2633870" y="3839265"/>
+            <a:ext cx="1828800" cy="673100"/>
           </a:xfrm>
-          <a:prstGeom prst="curvedConnector3">
-            <a:avLst>
-              <a:gd name="adj1" fmla="val 50000"/>
-            </a:avLst>
+          <a:prstGeom prst="rect">
+            <a:avLst/>
           </a:prstGeom>
           <a:noFill/>
           <a:ln w="9525">
             <a:solidFill>
               <a:schemeClr val="tx1"/>
+            </a:solidFill>
+            <a:miter lim="800000"/>
+            <a:headEnd/>
+            <a:tailEnd/>
+          </a:ln>
+          <a:extLst>
+            <a:ext uri="{909E8E84-426E-40dd-AFC4-6F175D3DCCD1}">
+              <a14:hiddenFill xmlns="" xmlns:a14="http://schemas.microsoft.com/office/drawing/2010/main">
+                <a:solidFill>
+                  <a:schemeClr val="accent1"/>
+                </a:solidFill>
+              </a14:hiddenFill>
+            </a:ext>
+          </a:extLst>
+        </p:spPr>
+        <p:txBody>
+          <a:bodyPr wrap="none" anchor="ctr"/>
+          <a:lstStyle/>
+          <a:p>
+            <a:endParaRPr lang="en-US" sz="1400"/>
+          </a:p>
+        </p:txBody>
+      </p:sp>
+      <p:sp>
+        <p:nvSpPr>
+          <p:cNvPr id="124941" name="Text Box 13"/>
+          <p:cNvSpPr txBox="1">
+            <a:spLocks noChangeArrowheads="1"/>
+          </p:cNvSpPr>
+          <p:nvPr/>
+        </p:nvSpPr>
+        <p:spPr bwMode="auto">
+          <a:xfrm>
+            <a:off x="2628761" y="3539022"/>
+            <a:ext cx="1337417" cy="307777"/>
+          </a:xfrm>
+          <a:prstGeom prst="rect">
+            <a:avLst/>
+          </a:prstGeom>
+          <a:noFill/>
+          <a:ln>
+            <a:noFill/>
+          </a:ln>
+          <a:extLst>
+            <a:ext uri="{909E8E84-426E-40dd-AFC4-6F175D3DCCD1}">
+              <a14:hiddenFill xmlns="" xmlns:a14="http://schemas.microsoft.com/office/drawing/2010/main">
+                <a:solidFill>
+                  <a:schemeClr val="accent1"/>
+                </a:solidFill>
+              </a14:hiddenFill>
+            </a:ext>
+            <a:ext uri="{91240B29-F687-4f45-9708-019B960494DF}">
+              <a14:hiddenLine xmlns="" xmlns:a14="http://schemas.microsoft.com/office/drawing/2010/main" w="9525">
+                <a:solidFill>
+                  <a:schemeClr val="bg2"/>
+                </a:solidFill>
+                <a:miter lim="800000"/>
+                <a:headEnd/>
+                <a:tailEnd/>
+              </a14:hiddenLine>
+            </a:ext>
+          </a:extLst>
+        </p:spPr>
+        <p:txBody>
+          <a:bodyPr wrap="none">
+            <a:spAutoFit/>
+          </a:bodyPr>
+          <a:lstStyle/>
+          <a:p>
+            <a:r>
+              <a:rPr lang="en-US" sz="1400"/>
+              <a:t>Function Scope </a:t>
+            </a:r>
+          </a:p>
+        </p:txBody>
+      </p:sp>
+      <p:cxnSp>
+        <p:nvCxnSpPr>
+          <p:cNvPr id="124942" name="AutoShape 14"/>
+          <p:cNvCxnSpPr>
+            <a:cxnSpLocks noChangeShapeType="1"/>
+            <a:stCxn id="124940" idx="0"/>
+            <a:endCxn id="124934" idx="2"/>
+          </p:cNvCxnSpPr>
+          <p:nvPr/>
+        </p:nvCxnSpPr>
+        <p:spPr bwMode="auto">
+          <a:xfrm flipV="1">
+            <a:off x="3548270" y="3445565"/>
+            <a:ext cx="15875" cy="393700"/>
+          </a:xfrm>
+          <a:prstGeom prst="straightConnector1">
+            <a:avLst/>
+          </a:prstGeom>
+          <a:noFill/>
+          <a:ln w="25400">
+            <a:solidFill>
+              <a:srgbClr val="FF0000"/>
             </a:solidFill>
             <a:round/>
             <a:headEnd/>
@@ -12204,56 +12225,16 @@
       </p:cxnSp>
       <p:sp>
         <p:nvSpPr>
-          <p:cNvPr id="83981" name="AutoShape 13"/>
-          <p:cNvSpPr>
+          <p:cNvPr id="124944" name="Text Box 16"/>
+          <p:cNvSpPr txBox="1">
             <a:spLocks noChangeArrowheads="1"/>
           </p:cNvSpPr>
           <p:nvPr/>
         </p:nvSpPr>
         <p:spPr bwMode="auto">
           <a:xfrm>
-            <a:off x="5877338" y="1673086"/>
-            <a:ext cx="457200" cy="228600"/>
-          </a:xfrm>
-          <a:prstGeom prst="rightArrow">
-            <a:avLst>
-              <a:gd name="adj1" fmla="val 50000"/>
-              <a:gd name="adj2" fmla="val 50000"/>
-            </a:avLst>
-          </a:prstGeom>
-          <a:solidFill>
-            <a:schemeClr val="accent1"/>
-          </a:solidFill>
-          <a:ln w="9525">
-            <a:solidFill>
-              <a:schemeClr val="tx1"/>
-            </a:solidFill>
-            <a:miter lim="800000"/>
-            <a:headEnd/>
-            <a:tailEnd/>
-          </a:ln>
-        </p:spPr>
-        <p:txBody>
-          <a:bodyPr wrap="none" anchor="ctr"/>
-          <a:lstStyle/>
-          <a:p>
-            <a:pPr algn="ctr"/>
-            <a:endParaRPr lang="en-US" sz="1400"/>
-          </a:p>
-        </p:txBody>
-      </p:sp>
-      <p:sp>
-        <p:nvSpPr>
-          <p:cNvPr id="83982" name="Text Box 14"/>
-          <p:cNvSpPr txBox="1">
-            <a:spLocks noChangeArrowheads="1"/>
-          </p:cNvSpPr>
-          <p:nvPr/>
-        </p:nvSpPr>
-        <p:spPr bwMode="auto">
-          <a:xfrm>
-            <a:off x="984663" y="1893749"/>
-            <a:ext cx="1787669" cy="307777"/>
+            <a:off x="2710070" y="1753290"/>
+            <a:ext cx="937501" cy="307777"/>
           </a:xfrm>
           <a:prstGeom prst="rect">
             <a:avLst/>
@@ -12289,30 +12270,22 @@
           <a:lstStyle/>
           <a:p>
             <a:r>
-              <a:rPr lang="en-US" sz="1400" dirty="0"/>
-              <a:t>add(</a:t>
-            </a:r>
-            <a:r>
-              <a:rPr lang="en-US" sz="1400" dirty="0" err="1"/>
-              <a:t>a,b</a:t>
-            </a:r>
-            <a:r>
-              <a:rPr lang="en-US" sz="1400" dirty="0"/>
-              <a:t>) </a:t>
-            </a:r>
-            <a:r>
-              <a:rPr lang="en-US" sz="1400" dirty="0">
+              <a:rPr lang="en-US" sz="1400"/>
+              <a:t>step </a:t>
+            </a:r>
+            <a:r>
+              <a:rPr lang="en-US" sz="1400">
                 <a:sym typeface="Symbol" charset="0"/>
               </a:rPr>
-              <a:t> function…</a:t>
-            </a:r>
-            <a:endParaRPr lang="en-US" sz="1400" dirty="0"/>
-          </a:p>
-        </p:txBody>
-      </p:sp>
-      <p:sp>
-        <p:nvSpPr>
-          <p:cNvPr id="83983" name="Text Box 15"/>
+              <a:t> 10</a:t>
+            </a:r>
+            <a:endParaRPr lang="en-US" sz="1400"/>
+          </a:p>
+        </p:txBody>
+      </p:sp>
+      <p:sp>
+        <p:nvSpPr>
+          <p:cNvPr id="124945" name="Text Box 17"/>
           <p:cNvSpPr txBox="1">
             <a:spLocks noChangeArrowheads="1"/>
           </p:cNvSpPr>
@@ -12320,8 +12293,8 @@
         </p:nvSpPr>
         <p:spPr bwMode="auto">
           <a:xfrm>
-            <a:off x="946563" y="3959086"/>
-            <a:ext cx="620683" cy="307777"/>
+            <a:off x="2710070" y="1981890"/>
+            <a:ext cx="1579278" cy="307777"/>
           </a:xfrm>
           <a:prstGeom prst="rect">
             <a:avLst/>
@@ -12358,13 +12331,13 @@
           <a:p>
             <a:r>
               <a:rPr lang="en-US" sz="1400"/>
-              <a:t>a </a:t>
+              <a:t>Inc(x) </a:t>
             </a:r>
             <a:r>
               <a:rPr lang="en-US" sz="1400">
                 <a:sym typeface="Symbol" charset="0"/>
               </a:rPr>
-              <a:t> 3</a:t>
+              <a:t> function…</a:t>
             </a:r>
             <a:endParaRPr lang="en-US" sz="1400"/>
           </a:p>
@@ -12372,7 +12345,7 @@
       </p:sp>
       <p:sp>
         <p:nvSpPr>
-          <p:cNvPr id="83984" name="Text Box 16"/>
+          <p:cNvPr id="124946" name="Text Box 18"/>
           <p:cNvSpPr txBox="1">
             <a:spLocks noChangeArrowheads="1"/>
           </p:cNvSpPr>
@@ -12380,8 +12353,8 @@
         </p:nvSpPr>
         <p:spPr bwMode="auto">
           <a:xfrm>
-            <a:off x="937038" y="4171811"/>
-            <a:ext cx="628698" cy="307777"/>
+            <a:off x="2710070" y="2820090"/>
+            <a:ext cx="846129" cy="307777"/>
           </a:xfrm>
           <a:prstGeom prst="rect">
             <a:avLst/>
@@ -12418,7 +12391,7 @@
           <a:p>
             <a:r>
               <a:rPr lang="en-US" sz="1400"/>
-              <a:t>b </a:t>
+              <a:t>step </a:t>
             </a:r>
             <a:r>
               <a:rPr lang="en-US" sz="1400">
@@ -12430,9 +12403,47 @@
           </a:p>
         </p:txBody>
       </p:sp>
-      <p:sp>
-        <p:nvSpPr>
-          <p:cNvPr id="83985" name="Text Box 17"/>
+      <p:cxnSp>
+        <p:nvCxnSpPr>
+          <p:cNvPr id="124947" name="AutoShape 19"/>
+          <p:cNvCxnSpPr>
+            <a:cxnSpLocks noChangeShapeType="1"/>
+            <a:stCxn id="124938" idx="1"/>
+            <a:endCxn id="124940" idx="3"/>
+          </p:cNvCxnSpPr>
+          <p:nvPr/>
+        </p:nvCxnSpPr>
+        <p:spPr bwMode="auto">
+          <a:xfrm rot="10800000" flipV="1">
+            <a:off x="4462670" y="1923053"/>
+            <a:ext cx="609600" cy="2252761"/>
+          </a:xfrm>
+          <a:prstGeom prst="curvedConnector3">
+            <a:avLst>
+              <a:gd name="adj1" fmla="val 50000"/>
+            </a:avLst>
+          </a:prstGeom>
+          <a:noFill/>
+          <a:ln w="9525">
+            <a:solidFill>
+              <a:schemeClr val="tx1"/>
+            </a:solidFill>
+            <a:round/>
+            <a:headEnd/>
+            <a:tailEnd type="triangle" w="med" len="med"/>
+          </a:ln>
+          <a:extLst>
+            <a:ext uri="{909E8E84-426E-40dd-AFC4-6F175D3DCCD1}">
+              <a14:hiddenFill xmlns="" xmlns:a14="http://schemas.microsoft.com/office/drawing/2010/main">
+                <a:noFill/>
+              </a14:hiddenFill>
+            </a:ext>
+          </a:extLst>
+        </p:spPr>
+      </p:cxnSp>
+      <p:sp>
+        <p:nvSpPr>
+          <p:cNvPr id="124948" name="Text Box 20"/>
           <p:cNvSpPr txBox="1">
             <a:spLocks noChangeArrowheads="1"/>
           </p:cNvSpPr>
@@ -12440,8 +12451,8 @@
         </p:nvSpPr>
         <p:spPr bwMode="auto">
           <a:xfrm>
-            <a:off x="5813697" y="4312800"/>
-            <a:ext cx="2629181" cy="738664"/>
+            <a:off x="2710070" y="3886890"/>
+            <a:ext cx="612668" cy="307777"/>
           </a:xfrm>
           <a:prstGeom prst="rect">
             <a:avLst/>
@@ -12478,27 +12489,13 @@
           <a:p>
             <a:r>
               <a:rPr lang="en-US" sz="1400"/>
-              <a:t>Execute function body and return</a:t>
-            </a:r>
-            <a:br>
-              <a:rPr lang="en-US" sz="1400"/>
-            </a:br>
-            <a:r>
-              <a:rPr lang="en-US" sz="1400"/>
-              <a:t>the computed value, execute</a:t>
-            </a:r>
-            <a:br>
-              <a:rPr lang="en-US" sz="1400"/>
-            </a:br>
-            <a:r>
-              <a:rPr lang="en-US" sz="1400"/>
-              <a:t>put statement </a:t>
+              <a:t>x </a:t>
             </a:r>
             <a:r>
               <a:rPr lang="en-US" sz="1400">
                 <a:sym typeface="Symbol" charset="0"/>
               </a:rPr>
-              <a:t> 5</a:t>
+              <a:t> 5</a:t>
             </a:r>
             <a:endParaRPr lang="en-US" sz="1400"/>
           </a:p>
@@ -12507,7 +12504,7 @@
     </p:spTree>
     <p:extLst>
       <p:ext uri="{BB962C8B-B14F-4D97-AF65-F5344CB8AC3E}">
-        <p14:creationId xmlns:p14="http://schemas.microsoft.com/office/powerpoint/2010/main" val="816707046"/>
+        <p14:creationId xmlns:p14="http://schemas.microsoft.com/office/powerpoint/2010/main" val="15112751"/>
       </p:ext>
     </p:extLst>
   </p:cSld>
